--- a/enron_email_analyses.pptx
+++ b/enron_email_analyses.pptx
@@ -6,14 +6,13 @@
   </p:sldMasterIdLst>
   <p:sldIdLst>
     <p:sldId id="256" r:id="rId2"/>
-    <p:sldId id="257" r:id="rId3"/>
-    <p:sldId id="258" r:id="rId4"/>
-    <p:sldId id="259" r:id="rId5"/>
-    <p:sldId id="260" r:id="rId6"/>
-    <p:sldId id="261" r:id="rId7"/>
-    <p:sldId id="262" r:id="rId8"/>
-    <p:sldId id="263" r:id="rId9"/>
-    <p:sldId id="264" r:id="rId10"/>
+    <p:sldId id="258" r:id="rId3"/>
+    <p:sldId id="259" r:id="rId4"/>
+    <p:sldId id="260" r:id="rId5"/>
+    <p:sldId id="261" r:id="rId6"/>
+    <p:sldId id="262" r:id="rId7"/>
+    <p:sldId id="263" r:id="rId8"/>
+    <p:sldId id="264" r:id="rId9"/>
   </p:sldIdLst>
   <p:sldSz cx="12192000" cy="6858000"/>
   <p:notesSz cx="6858000" cy="9144000"/>
@@ -112,6 +111,11 @@
       </a:defRPr>
     </a:lvl9pPr>
   </p:defaultTextStyle>
+  <p:extLst>
+    <p:ext uri="{EFAFB233-063F-42B5-8137-9DF3F51BA10A}">
+      <p15:sldGuideLst xmlns:p15="http://schemas.microsoft.com/office/powerpoint/2012/main"/>
+    </p:ext>
+  </p:extLst>
 </p:presentation>
 </file>
 
@@ -3012,13 +3016,38 @@
           <a:p>
             <a:r>
               <a:rPr lang="en-CA" dirty="0" smtClean="0"/>
-              <a:t>Find the working group, communities in a company using the e-mail communications</a:t>
-            </a:r>
-          </a:p>
-          <a:p>
-            <a:r>
-              <a:rPr lang="en-CA" dirty="0" smtClean="0"/>
-              <a:t>Find the company main activities by extracting the main topics from e-mails’ content</a:t>
+              <a:t>Find the working group, communities in a company </a:t>
+            </a:r>
+            <a:r>
+              <a:rPr lang="en-CA" dirty="0" smtClean="0"/>
+              <a:t>based on the </a:t>
+            </a:r>
+            <a:r>
+              <a:rPr lang="en-CA" dirty="0" smtClean="0"/>
+              <a:t>the e-mail </a:t>
+            </a:r>
+            <a:r>
+              <a:rPr lang="en-CA" dirty="0" smtClean="0"/>
+              <a:t>communications using graph theory.</a:t>
+            </a:r>
+            <a:endParaRPr lang="en-CA" dirty="0" smtClean="0"/>
+          </a:p>
+          <a:p>
+            <a:r>
+              <a:rPr lang="en-CA" dirty="0" smtClean="0"/>
+              <a:t>Find the company main activities by extracting the main topics from e-mails’ </a:t>
+            </a:r>
+            <a:r>
+              <a:rPr lang="en-CA" dirty="0" smtClean="0"/>
+              <a:t>content using text analysis – Latent </a:t>
+            </a:r>
+            <a:r>
+              <a:rPr lang="en-CA" dirty="0" err="1" smtClean="0"/>
+              <a:t>Dirichlet</a:t>
+            </a:r>
+            <a:r>
+              <a:rPr lang="en-CA" dirty="0" smtClean="0"/>
+              <a:t> allocation (LDA).</a:t>
             </a:r>
             <a:endParaRPr lang="en-CA" dirty="0"/>
           </a:p>
@@ -3071,7 +3100,7 @@
           <a:p>
             <a:r>
               <a:rPr lang="en-CA" dirty="0" smtClean="0"/>
-              <a:t>Techniques used</a:t>
+              <a:t>Data set</a:t>
             </a:r>
             <a:endParaRPr lang="en-CA" dirty="0"/>
           </a:p>
@@ -3094,7 +3123,20 @@
           <a:p>
             <a:r>
               <a:rPr lang="en-CA" dirty="0" smtClean="0"/>
-              <a:t>Working groups</a:t>
+              <a:t>The dataset used for analyzes are the Enron email’s which are public available.</a:t>
+            </a:r>
+          </a:p>
+          <a:p>
+            <a:r>
+              <a:rPr lang="en-CA" dirty="0" smtClean="0"/>
+              <a:t>The emails are from 150 people in text format, one file per e-mail.</a:t>
+            </a:r>
+            <a:endParaRPr lang="en-CA" dirty="0"/>
+          </a:p>
+          <a:p>
+            <a:r>
+              <a:rPr lang="en-CA" dirty="0" smtClean="0"/>
+              <a:t>Files/directories structure</a:t>
             </a:r>
           </a:p>
           <a:p>
@@ -3104,16 +3146,7 @@
             </a:r>
             <a:r>
               <a:rPr lang="en-CA" dirty="0" smtClean="0"/>
-              <a:t>use graph theories to analyze and find the communities in a graph</a:t>
-            </a:r>
-          </a:p>
-          <a:p>
-            <a:endParaRPr lang="en-CA" dirty="0"/>
-          </a:p>
-          <a:p>
-            <a:r>
-              <a:rPr lang="en-CA" dirty="0" smtClean="0"/>
-              <a:t>Company activity based on e-mail topics</a:t>
+              <a:t>on directory per employee</a:t>
             </a:r>
           </a:p>
           <a:p>
@@ -3123,8 +3156,18 @@
             </a:r>
             <a:r>
               <a:rPr lang="en-CA" dirty="0" smtClean="0"/>
-              <a:t>text analyzes with topics generation/creation</a:t>
-            </a:r>
+              <a:t>subdirectories which correspond to the e-mail directory like:  sent,  inbox, </a:t>
+            </a:r>
+            <a:r>
+              <a:rPr lang="en-CA" dirty="0" err="1" smtClean="0"/>
+              <a:t>deleted_items</a:t>
+            </a:r>
+            <a:r>
+              <a:rPr lang="en-CA" dirty="0" smtClean="0"/>
+              <a:t>, any custom email directories.</a:t>
+            </a:r>
+          </a:p>
+          <a:p>
             <a:endParaRPr lang="en-CA" dirty="0"/>
           </a:p>
         </p:txBody>
@@ -3132,7 +3175,7 @@
     </p:spTree>
     <p:extLst>
       <p:ext uri="{BB962C8B-B14F-4D97-AF65-F5344CB8AC3E}">
-        <p14:creationId xmlns:p14="http://schemas.microsoft.com/office/powerpoint/2010/main" val="656725283"/>
+        <p14:creationId xmlns:p14="http://schemas.microsoft.com/office/powerpoint/2010/main" val="3733068706"/>
       </p:ext>
     </p:extLst>
   </p:cSld>
@@ -3176,7 +3219,7 @@
           <a:p>
             <a:r>
               <a:rPr lang="en-CA" dirty="0" smtClean="0"/>
-              <a:t>Data set</a:t>
+              <a:t>Methodology – network analyses</a:t>
             </a:r>
             <a:endParaRPr lang="en-CA" dirty="0"/>
           </a:p>
@@ -3199,49 +3242,29 @@
           <a:p>
             <a:r>
               <a:rPr lang="en-CA" dirty="0" smtClean="0"/>
-              <a:t>The dataset used for analyzes are the Enron email’s which are public available.</a:t>
-            </a:r>
-          </a:p>
-          <a:p>
-            <a:r>
-              <a:rPr lang="en-CA" dirty="0" smtClean="0"/>
-              <a:t>The emails are from 150 people in text format, one file per e-mail.</a:t>
-            </a:r>
+              <a:t>Email network analyses – working groups</a:t>
+            </a:r>
+          </a:p>
+          <a:p>
+            <a:r>
+              <a:rPr lang="en-CA" dirty="0" smtClean="0"/>
+              <a:t> used sent directories from each employee to create a directed graph matrix</a:t>
+            </a:r>
+          </a:p>
+          <a:p>
+            <a:r>
+              <a:rPr lang="en-CA" dirty="0" smtClean="0"/>
+              <a:t>Rows represent the sender and columns represent the receivers  which can be in all the receiver email fields: To, Cc and Bcc.</a:t>
+            </a:r>
+          </a:p>
+          <a:p>
             <a:endParaRPr lang="en-CA" dirty="0"/>
           </a:p>
           <a:p>
-            <a:r>
-              <a:rPr lang="en-CA" dirty="0" smtClean="0"/>
-              <a:t>Files/directories structure</a:t>
-            </a:r>
-          </a:p>
-          <a:p>
-            <a:r>
-              <a:rPr lang="en-CA" dirty="0"/>
-              <a:t> </a:t>
-            </a:r>
-            <a:r>
-              <a:rPr lang="en-CA" dirty="0" smtClean="0"/>
-              <a:t>on directory per employee</a:t>
-            </a:r>
-          </a:p>
-          <a:p>
-            <a:r>
-              <a:rPr lang="en-CA" dirty="0"/>
-              <a:t> </a:t>
-            </a:r>
-            <a:r>
-              <a:rPr lang="en-CA" dirty="0" smtClean="0"/>
-              <a:t>subdirectories which correspond to the e-mail directory like:  sent,  inbox, </a:t>
-            </a:r>
-            <a:r>
-              <a:rPr lang="en-CA" dirty="0" err="1" smtClean="0"/>
-              <a:t>deleted_items</a:t>
-            </a:r>
-            <a:r>
-              <a:rPr lang="en-CA" dirty="0" smtClean="0"/>
-              <a:t>, any custom email directories.</a:t>
-            </a:r>
+            <a:pPr marL="0" indent="0">
+              <a:buNone/>
+            </a:pPr>
+            <a:endParaRPr lang="en-CA" dirty="0"/>
           </a:p>
           <a:p>
             <a:endParaRPr lang="en-CA" dirty="0"/>
@@ -3251,7 +3274,7 @@
     </p:spTree>
     <p:extLst>
       <p:ext uri="{BB962C8B-B14F-4D97-AF65-F5344CB8AC3E}">
-        <p14:creationId xmlns:p14="http://schemas.microsoft.com/office/powerpoint/2010/main" val="3733068706"/>
+        <p14:creationId xmlns:p14="http://schemas.microsoft.com/office/powerpoint/2010/main" val="583989771"/>
       </p:ext>
     </p:extLst>
   </p:cSld>
@@ -3295,9 +3318,8 @@
           <a:p>
             <a:r>
               <a:rPr lang="en-CA" dirty="0" smtClean="0"/>
-              <a:t>Methodology – network analyses</a:t>
-            </a:r>
-            <a:endParaRPr lang="en-CA" dirty="0"/>
+              <a:t>Company main activities/topics</a:t>
+            </a:r>
           </a:p>
         </p:txBody>
       </p:sp>
@@ -3313,36 +3335,67 @@
         </p:nvSpPr>
         <p:spPr/>
         <p:txBody>
-          <a:bodyPr/>
-          <a:lstStyle/>
-          <a:p>
-            <a:r>
-              <a:rPr lang="en-CA" dirty="0" smtClean="0"/>
-              <a:t>Email network analyses – working groups</a:t>
-            </a:r>
-          </a:p>
-          <a:p>
-            <a:r>
-              <a:rPr lang="en-CA" dirty="0" smtClean="0"/>
-              <a:t> used sent directories from each employee to create a directed graph matrix</a:t>
-            </a:r>
-          </a:p>
-          <a:p>
-            <a:r>
-              <a:rPr lang="en-CA" dirty="0" smtClean="0"/>
-              <a:t>Rows represent the sender and columns represent the receivers  which can be in all the receiver email fields: To, Cc and Bcc.</a:t>
-            </a:r>
-          </a:p>
-          <a:p>
-            <a:endParaRPr lang="en-CA" dirty="0"/>
-          </a:p>
+          <a:bodyPr>
+            <a:normAutofit lnSpcReduction="10000"/>
+          </a:bodyPr>
+          <a:lstStyle/>
           <a:p>
             <a:pPr marL="0" indent="0">
               <a:buNone/>
             </a:pPr>
-            <a:endParaRPr lang="en-CA" dirty="0"/>
-          </a:p>
-          <a:p>
+            <a:endParaRPr lang="en-CA" dirty="0" smtClean="0"/>
+          </a:p>
+          <a:p>
+            <a:r>
+              <a:rPr lang="en-CA" dirty="0" smtClean="0"/>
+              <a:t>Create one file per employee which has only the e-mails content. And e-mail subject. </a:t>
+            </a:r>
+          </a:p>
+          <a:p>
+            <a:r>
+              <a:rPr lang="en-CA" dirty="0" smtClean="0"/>
+              <a:t>The content from reply part is deleted if exist.</a:t>
+            </a:r>
+          </a:p>
+          <a:p>
+            <a:r>
+              <a:rPr lang="en-CA" dirty="0" smtClean="0"/>
+              <a:t>Delete the e-mails lines which have: e-mail addresses, subject, bcc, ---</a:t>
+            </a:r>
+          </a:p>
+          <a:p>
+            <a:r>
+              <a:rPr lang="en-CA" dirty="0" smtClean="0"/>
+              <a:t>Create a corpus with all email content files using tm package</a:t>
+            </a:r>
+          </a:p>
+          <a:p>
+            <a:r>
+              <a:rPr lang="en-CA" dirty="0" smtClean="0"/>
+              <a:t>Clean the tm corpus data: </a:t>
+            </a:r>
+            <a:r>
+              <a:rPr lang="en-CA" dirty="0" err="1" smtClean="0"/>
+              <a:t>transorm</a:t>
+            </a:r>
+            <a:r>
+              <a:rPr lang="en-CA" dirty="0" smtClean="0"/>
+              <a:t> lowercase, delete punctuation, white spaces, stop words, specific words saved in a file, stemming the words.</a:t>
+            </a:r>
+          </a:p>
+          <a:p>
+            <a:r>
+              <a:rPr lang="en-CA" dirty="0" smtClean="0"/>
+              <a:t>Find the main 4 topics using LDA from </a:t>
+            </a:r>
+            <a:r>
+              <a:rPr lang="en-CA" dirty="0" err="1" smtClean="0"/>
+              <a:t>topicsmodels</a:t>
+            </a:r>
+            <a:r>
+              <a:rPr lang="en-CA" dirty="0" smtClean="0"/>
+              <a:t> package.</a:t>
+            </a:r>
             <a:endParaRPr lang="en-CA" dirty="0"/>
           </a:p>
         </p:txBody>
@@ -3350,7 +3403,7 @@
     </p:spTree>
     <p:extLst>
       <p:ext uri="{BB962C8B-B14F-4D97-AF65-F5344CB8AC3E}">
-        <p14:creationId xmlns:p14="http://schemas.microsoft.com/office/powerpoint/2010/main" val="583989771"/>
+        <p14:creationId xmlns:p14="http://schemas.microsoft.com/office/powerpoint/2010/main" val="3642470611"/>
       </p:ext>
     </p:extLst>
   </p:cSld>
@@ -3394,85 +3447,67 @@
           <a:p>
             <a:r>
               <a:rPr lang="en-CA" dirty="0" smtClean="0"/>
-              <a:t>Company main activities/topics</a:t>
-            </a:r>
-            <a:endParaRPr lang="en-CA" dirty="0" smtClean="0"/>
-          </a:p>
-        </p:txBody>
-      </p:sp>
-      <p:sp>
-        <p:nvSpPr>
-          <p:cNvPr id="3" name="Content Placeholder 2"/>
-          <p:cNvSpPr>
-            <a:spLocks noGrp="1"/>
-          </p:cNvSpPr>
-          <p:nvPr>
-            <p:ph idx="1"/>
-          </p:nvPr>
-        </p:nvSpPr>
-        <p:spPr/>
-        <p:txBody>
-          <a:bodyPr>
-            <a:normAutofit lnSpcReduction="10000"/>
-          </a:bodyPr>
-          <a:lstStyle/>
-          <a:p>
-            <a:pPr marL="0" indent="0">
-              <a:buNone/>
-            </a:pPr>
-            <a:endParaRPr lang="en-CA" dirty="0" smtClean="0"/>
-          </a:p>
-          <a:p>
-            <a:r>
-              <a:rPr lang="en-CA" dirty="0" smtClean="0"/>
-              <a:t>Create one file per employee which has only the e-mails content. And e-mail subject. </a:t>
-            </a:r>
-          </a:p>
-          <a:p>
-            <a:r>
-              <a:rPr lang="en-CA" dirty="0" smtClean="0"/>
-              <a:t>The content from reply part is deleted if exist.</a:t>
-            </a:r>
-          </a:p>
-          <a:p>
-            <a:r>
-              <a:rPr lang="en-CA" dirty="0" smtClean="0"/>
-              <a:t>Delete the e-mails lines which have: e-mail addresses, subject, bcc, ---</a:t>
-            </a:r>
-            <a:endParaRPr lang="en-CA" dirty="0" smtClean="0"/>
-          </a:p>
-          <a:p>
-            <a:r>
-              <a:rPr lang="en-CA" dirty="0" smtClean="0"/>
-              <a:t>Create a corpus with all email content files using tm package</a:t>
-            </a:r>
-          </a:p>
-          <a:p>
-            <a:r>
-              <a:rPr lang="en-CA" dirty="0" smtClean="0"/>
-              <a:t>Clean the tm corpus data: </a:t>
+              <a:t>Email working groups</a:t>
+            </a:r>
+            <a:endParaRPr lang="en-CA" dirty="0"/>
+          </a:p>
+        </p:txBody>
+      </p:sp>
+      <p:pic>
+        <p:nvPicPr>
+          <p:cNvPr id="4" name="Content Placeholder 3"/>
+          <p:cNvPicPr>
+            <a:picLocks noGrp="1" noChangeAspect="1"/>
+          </p:cNvPicPr>
+          <p:nvPr>
+            <p:ph sz="half" idx="1"/>
+          </p:nvPr>
+        </p:nvPicPr>
+        <p:blipFill>
+          <a:blip r:embed="rId2">
+            <a:extLst>
+              <a:ext uri="{28A0092B-C50C-407E-A947-70E740481C1C}">
+                <a14:useLocalDpi xmlns:a14="http://schemas.microsoft.com/office/drawing/2010/main" val="0"/>
+              </a:ext>
+            </a:extLst>
+          </a:blip>
+          <a:stretch>
+            <a:fillRect/>
+          </a:stretch>
+        </p:blipFill>
+        <p:spPr>
+          <a:xfrm>
+            <a:off x="1350703" y="1825625"/>
+            <a:ext cx="4156593" cy="4351338"/>
+          </a:xfrm>
+        </p:spPr>
+      </p:pic>
+      <p:sp>
+        <p:nvSpPr>
+          <p:cNvPr id="5" name="Content Placeholder 4"/>
+          <p:cNvSpPr>
+            <a:spLocks noGrp="1"/>
+          </p:cNvSpPr>
+          <p:nvPr>
+            <p:ph sz="half" idx="2"/>
+          </p:nvPr>
+        </p:nvSpPr>
+        <p:spPr/>
+        <p:txBody>
+          <a:bodyPr/>
+          <a:lstStyle/>
+          <a:p>
+            <a:r>
+              <a:rPr lang="en-CA" dirty="0" smtClean="0"/>
+              <a:t>Working groups based on the e-mails frequencies created with </a:t>
             </a:r>
             <a:r>
               <a:rPr lang="en-CA" dirty="0" err="1" smtClean="0"/>
-              <a:t>transorm</a:t>
-            </a:r>
-            <a:r>
-              <a:rPr lang="en-CA" dirty="0" smtClean="0"/>
-              <a:t> lowercase, delete punctuation, white spaces, stop words, specific words saved in a file, stemming the words.</a:t>
-            </a:r>
-          </a:p>
-          <a:p>
-            <a:r>
-              <a:rPr lang="en-CA" dirty="0" smtClean="0"/>
-              <a:t>Find the main 4 topics using LDA from </a:t>
-            </a:r>
-            <a:r>
-              <a:rPr lang="en-CA" dirty="0" err="1" smtClean="0"/>
-              <a:t>topicsmodels</a:t>
-            </a:r>
-            <a:r>
-              <a:rPr lang="en-CA" dirty="0" smtClean="0"/>
-              <a:t> package.</a:t>
+              <a:t>igraph</a:t>
+            </a:r>
+            <a:r>
+              <a:rPr lang="en-CA" dirty="0" smtClean="0"/>
+              <a:t> package from R</a:t>
             </a:r>
             <a:endParaRPr lang="en-CA" dirty="0"/>
           </a:p>
@@ -3481,7 +3516,7 @@
     </p:spTree>
     <p:extLst>
       <p:ext uri="{BB962C8B-B14F-4D97-AF65-F5344CB8AC3E}">
-        <p14:creationId xmlns:p14="http://schemas.microsoft.com/office/powerpoint/2010/main" val="3642470611"/>
+        <p14:creationId xmlns:p14="http://schemas.microsoft.com/office/powerpoint/2010/main" val="2654548015"/>
       </p:ext>
     </p:extLst>
   </p:cSld>
@@ -3525,7 +3560,7 @@
           <a:p>
             <a:r>
               <a:rPr lang="en-CA" dirty="0" smtClean="0"/>
-              <a:t>Email working groups</a:t>
+              <a:t>Details of the largest working group</a:t>
             </a:r>
             <a:endParaRPr lang="en-CA" dirty="0"/>
           </a:p>
@@ -3533,7 +3568,7 @@
       </p:sp>
       <p:pic>
         <p:nvPicPr>
-          <p:cNvPr id="4" name="Content Placeholder 3"/>
+          <p:cNvPr id="5" name="Content Placeholder 4"/>
           <p:cNvPicPr>
             <a:picLocks noGrp="1" noChangeAspect="1"/>
           </p:cNvPicPr>
@@ -3555,14 +3590,14 @@
         </p:blipFill>
         <p:spPr>
           <a:xfrm>
-            <a:off x="1350703" y="1825625"/>
-            <a:ext cx="4156593" cy="4351338"/>
+            <a:off x="1045224" y="1825625"/>
+            <a:ext cx="4767552" cy="4351338"/>
           </a:xfrm>
         </p:spPr>
       </p:pic>
       <p:sp>
         <p:nvSpPr>
-          <p:cNvPr id="5" name="Content Placeholder 4"/>
+          <p:cNvPr id="4" name="Content Placeholder 3"/>
           <p:cNvSpPr>
             <a:spLocks noGrp="1"/>
           </p:cNvSpPr>
@@ -3577,15 +3612,21 @@
           <a:p>
             <a:r>
               <a:rPr lang="en-CA" dirty="0" smtClean="0"/>
-              <a:t>Working groups based on the e-mails frequencies created with </a:t>
+              <a:t>Graph display for the largest working group.</a:t>
+            </a:r>
+          </a:p>
+          <a:p>
+            <a:r>
+              <a:rPr lang="en-CA" dirty="0" smtClean="0"/>
+              <a:t>The ??largest node/employee is proportional with the </a:t>
             </a:r>
             <a:r>
               <a:rPr lang="en-CA" dirty="0" err="1" smtClean="0"/>
-              <a:t>igraph</a:t>
-            </a:r>
-            <a:r>
-              <a:rPr lang="en-CA" dirty="0" smtClean="0"/>
-              <a:t> package from R</a:t>
+              <a:t>betweeness</a:t>
+            </a:r>
+            <a:r>
+              <a:rPr lang="en-CA" dirty="0" smtClean="0"/>
+              <a:t>/centrality of the node/employee in the working group (community).</a:t>
             </a:r>
             <a:endParaRPr lang="en-CA" dirty="0"/>
           </a:p>
@@ -3594,7 +3635,7 @@
     </p:spTree>
     <p:extLst>
       <p:ext uri="{BB962C8B-B14F-4D97-AF65-F5344CB8AC3E}">
-        <p14:creationId xmlns:p14="http://schemas.microsoft.com/office/powerpoint/2010/main" val="2654548015"/>
+        <p14:creationId xmlns:p14="http://schemas.microsoft.com/office/powerpoint/2010/main" val="4260189587"/>
       </p:ext>
     </p:extLst>
   </p:cSld>
@@ -3638,125 +3679,6 @@
           <a:p>
             <a:r>
               <a:rPr lang="en-CA" dirty="0" smtClean="0"/>
-              <a:t>Details of the largest working group</a:t>
-            </a:r>
-            <a:endParaRPr lang="en-CA" dirty="0"/>
-          </a:p>
-        </p:txBody>
-      </p:sp>
-      <p:pic>
-        <p:nvPicPr>
-          <p:cNvPr id="5" name="Content Placeholder 4"/>
-          <p:cNvPicPr>
-            <a:picLocks noGrp="1" noChangeAspect="1"/>
-          </p:cNvPicPr>
-          <p:nvPr>
-            <p:ph sz="half" idx="1"/>
-          </p:nvPr>
-        </p:nvPicPr>
-        <p:blipFill>
-          <a:blip r:embed="rId2">
-            <a:extLst>
-              <a:ext uri="{28A0092B-C50C-407E-A947-70E740481C1C}">
-                <a14:useLocalDpi xmlns:a14="http://schemas.microsoft.com/office/drawing/2010/main" val="0"/>
-              </a:ext>
-            </a:extLst>
-          </a:blip>
-          <a:stretch>
-            <a:fillRect/>
-          </a:stretch>
-        </p:blipFill>
-        <p:spPr>
-          <a:xfrm>
-            <a:off x="1045224" y="1825625"/>
-            <a:ext cx="4767552" cy="4351338"/>
-          </a:xfrm>
-        </p:spPr>
-      </p:pic>
-      <p:sp>
-        <p:nvSpPr>
-          <p:cNvPr id="4" name="Content Placeholder 3"/>
-          <p:cNvSpPr>
-            <a:spLocks noGrp="1"/>
-          </p:cNvSpPr>
-          <p:nvPr>
-            <p:ph sz="half" idx="2"/>
-          </p:nvPr>
-        </p:nvSpPr>
-        <p:spPr/>
-        <p:txBody>
-          <a:bodyPr/>
-          <a:lstStyle/>
-          <a:p>
-            <a:r>
-              <a:rPr lang="en-CA" dirty="0" smtClean="0"/>
-              <a:t>Graph display for the largest working group.</a:t>
-            </a:r>
-          </a:p>
-          <a:p>
-            <a:r>
-              <a:rPr lang="en-CA" dirty="0" smtClean="0"/>
-              <a:t>The ??largest node/employee is proportional with the </a:t>
-            </a:r>
-            <a:r>
-              <a:rPr lang="en-CA" dirty="0" err="1" smtClean="0"/>
-              <a:t>betweeness</a:t>
-            </a:r>
-            <a:r>
-              <a:rPr lang="en-CA" dirty="0" smtClean="0"/>
-              <a:t>/centrality of the node/employee in the working group (community).</a:t>
-            </a:r>
-            <a:endParaRPr lang="en-CA" dirty="0"/>
-          </a:p>
-        </p:txBody>
-      </p:sp>
-    </p:spTree>
-    <p:extLst>
-      <p:ext uri="{BB962C8B-B14F-4D97-AF65-F5344CB8AC3E}">
-        <p14:creationId xmlns:p14="http://schemas.microsoft.com/office/powerpoint/2010/main" val="4260189587"/>
-      </p:ext>
-    </p:extLst>
-  </p:cSld>
-  <p:clrMapOvr>
-    <a:masterClrMapping/>
-  </p:clrMapOvr>
-</p:sld>
-</file>
-
-<file path=ppt/slides/slide8.xml><?xml version="1.0" encoding="utf-8"?>
-<p:sld xmlns:a="http://schemas.openxmlformats.org/drawingml/2006/main" xmlns:r="http://schemas.openxmlformats.org/officeDocument/2006/relationships" xmlns:p="http://schemas.openxmlformats.org/presentationml/2006/main">
-  <p:cSld>
-    <p:spTree>
-      <p:nvGrpSpPr>
-        <p:cNvPr id="1" name=""/>
-        <p:cNvGrpSpPr/>
-        <p:nvPr/>
-      </p:nvGrpSpPr>
-      <p:grpSpPr>
-        <a:xfrm>
-          <a:off x="0" y="0"/>
-          <a:ext cx="0" cy="0"/>
-          <a:chOff x="0" y="0"/>
-          <a:chExt cx="0" cy="0"/>
-        </a:xfrm>
-      </p:grpSpPr>
-      <p:sp>
-        <p:nvSpPr>
-          <p:cNvPr id="2" name="Title 1"/>
-          <p:cNvSpPr>
-            <a:spLocks noGrp="1"/>
-          </p:cNvSpPr>
-          <p:nvPr>
-            <p:ph type="title"/>
-          </p:nvPr>
-        </p:nvSpPr>
-        <p:spPr/>
-        <p:txBody>
-          <a:bodyPr/>
-          <a:lstStyle/>
-          <a:p>
-            <a:r>
-              <a:rPr lang="en-CA" dirty="0" smtClean="0"/>
               <a:t>Companies/working group main topics</a:t>
             </a:r>
             <a:endParaRPr lang="en-CA" dirty="0"/>
@@ -3830,7 +3752,7 @@
 </p:sld>
 </file>
 
-<file path=ppt/slides/slide9.xml><?xml version="1.0" encoding="utf-8"?>
+<file path=ppt/slides/slide8.xml><?xml version="1.0" encoding="utf-8"?>
 <p:sld xmlns:a="http://schemas.openxmlformats.org/drawingml/2006/main" xmlns:r="http://schemas.openxmlformats.org/officeDocument/2006/relationships" xmlns:p="http://schemas.openxmlformats.org/presentationml/2006/main">
   <p:cSld>
     <p:spTree>
